--- a/Term Project Presentation.pptx
+++ b/Term Project Presentation.pptx
@@ -5,7 +5,7 @@
     <p:sldMasterId id="2147483759" r:id="rId1"/>
   </p:sldMasterIdLst>
   <p:notesMasterIdLst>
-    <p:notesMasterId r:id="rId23"/>
+    <p:notesMasterId r:id="rId22"/>
   </p:notesMasterIdLst>
   <p:sldIdLst>
     <p:sldId id="256" r:id="rId2"/>
@@ -20,15 +20,14 @@
     <p:sldId id="260" r:id="rId11"/>
     <p:sldId id="275" r:id="rId12"/>
     <p:sldId id="278" r:id="rId13"/>
-    <p:sldId id="279" r:id="rId14"/>
-    <p:sldId id="277" r:id="rId15"/>
-    <p:sldId id="261" r:id="rId16"/>
-    <p:sldId id="280" r:id="rId17"/>
-    <p:sldId id="262" r:id="rId18"/>
-    <p:sldId id="281" r:id="rId19"/>
-    <p:sldId id="282" r:id="rId20"/>
-    <p:sldId id="273" r:id="rId21"/>
-    <p:sldId id="263" r:id="rId22"/>
+    <p:sldId id="277" r:id="rId14"/>
+    <p:sldId id="261" r:id="rId15"/>
+    <p:sldId id="280" r:id="rId16"/>
+    <p:sldId id="262" r:id="rId17"/>
+    <p:sldId id="281" r:id="rId18"/>
+    <p:sldId id="282" r:id="rId19"/>
+    <p:sldId id="273" r:id="rId20"/>
+    <p:sldId id="263" r:id="rId21"/>
   </p:sldIdLst>
   <p:sldSz cx="12192000" cy="6858000"/>
   <p:notesSz cx="6858000" cy="9144000"/>
@@ -133,6 +132,27 @@
     </p:ext>
   </p:extLst>
 </p:presentation>
+</file>
+
+<file path=ppt/changesInfos/changesInfo1.xml><?xml version="1.0" encoding="utf-8"?>
+<pc:chgInfo xmlns:a="http://schemas.openxmlformats.org/drawingml/2006/main" xmlns:r="http://schemas.openxmlformats.org/officeDocument/2006/relationships" xmlns:ac="http://schemas.microsoft.com/office/drawing/2013/main/command" xmlns:pc="http://schemas.microsoft.com/office/powerpoint/2013/main/command">
+  <pc:docChgLst>
+    <pc:chgData name="huang.van.angela@gmail.com" userId="9a6bd7c06ecd1b1c" providerId="LiveId" clId="{55E3C0DE-9860-4383-9155-91628FCD5B3C}"/>
+    <pc:docChg chg="delSld">
+      <pc:chgData name="huang.van.angela@gmail.com" userId="9a6bd7c06ecd1b1c" providerId="LiveId" clId="{55E3C0DE-9860-4383-9155-91628FCD5B3C}" dt="2022-04-13T00:07:06.638" v="0" actId="47"/>
+      <pc:docMkLst>
+        <pc:docMk/>
+      </pc:docMkLst>
+      <pc:sldChg chg="del">
+        <pc:chgData name="huang.van.angela@gmail.com" userId="9a6bd7c06ecd1b1c" providerId="LiveId" clId="{55E3C0DE-9860-4383-9155-91628FCD5B3C}" dt="2022-04-13T00:07:06.638" v="0" actId="47"/>
+        <pc:sldMkLst>
+          <pc:docMk/>
+          <pc:sldMk cId="1960507534" sldId="279"/>
+        </pc:sldMkLst>
+      </pc:sldChg>
+    </pc:docChg>
+  </pc:docChgLst>
+</pc:chgInfo>
 </file>
 
 <file path=ppt/diagrams/colors1.xml><?xml version="1.0" encoding="utf-8"?>
@@ -7052,7 +7072,7 @@
           <a:p>
             <a:fld id="{7BDFE5FF-51FC-4C38-A3C2-2BF921E840CC}" type="slidenum">
               <a:rPr lang="en-CA" smtClean="0"/>
-              <a:t>16</a:t>
+              <a:t>15</a:t>
             </a:fld>
             <a:endParaRPr lang="en-CA"/>
           </a:p>
@@ -7136,7 +7156,7 @@
           <a:p>
             <a:fld id="{7BDFE5FF-51FC-4C38-A3C2-2BF921E840CC}" type="slidenum">
               <a:rPr lang="en-CA" smtClean="0"/>
-              <a:t>20</a:t>
+              <a:t>19</a:t>
             </a:fld>
             <a:endParaRPr lang="en-CA"/>
           </a:p>
@@ -11879,606 +11899,6 @@
       </p:sp>
       <p:sp>
         <p:nvSpPr>
-          <p:cNvPr id="10" name="TextBox 9">
-            <a:extLst>
-              <a:ext uri="{FF2B5EF4-FFF2-40B4-BE49-F238E27FC236}">
-                <a16:creationId xmlns:a16="http://schemas.microsoft.com/office/drawing/2014/main" id="{81A58434-098C-4614-9C20-0D0106546043}"/>
-              </a:ext>
-            </a:extLst>
-          </p:cNvPr>
-          <p:cNvSpPr txBox="1"/>
-          <p:nvPr/>
-        </p:nvSpPr>
-        <p:spPr>
-          <a:xfrm>
-            <a:off x="2507914" y="5287555"/>
-            <a:ext cx="7176168" cy="369332"/>
-          </a:xfrm>
-          <a:prstGeom prst="rect">
-            <a:avLst/>
-          </a:prstGeom>
-          <a:solidFill>
-            <a:srgbClr val="2685AF"/>
-          </a:solidFill>
-          <a:ln>
-            <a:solidFill>
-              <a:srgbClr val="33CCCC"/>
-            </a:solidFill>
-          </a:ln>
-        </p:spPr>
-        <p:txBody>
-          <a:bodyPr wrap="square" rtlCol="0">
-            <a:spAutoFit/>
-          </a:bodyPr>
-          <a:lstStyle/>
-          <a:p>
-            <a:r>
-              <a:rPr lang="en-CA" dirty="0"/>
-              <a:t>AWS Lambda is more desirable option - </a:t>
-            </a:r>
-            <a:r>
-              <a:rPr lang="en-CA" dirty="0">
-                <a:solidFill>
-                  <a:schemeClr val="bg1"/>
-                </a:solidFill>
-              </a:rPr>
-              <a:t>More execution time and memory</a:t>
-            </a:r>
-          </a:p>
-        </p:txBody>
-      </p:sp>
-      <p:graphicFrame>
-        <p:nvGraphicFramePr>
-          <p:cNvPr id="5" name="Table 5">
-            <a:extLst>
-              <a:ext uri="{FF2B5EF4-FFF2-40B4-BE49-F238E27FC236}">
-                <a16:creationId xmlns:a16="http://schemas.microsoft.com/office/drawing/2014/main" id="{E23A0DA0-63D2-48AE-A1B8-9B0198B7C8E3}"/>
-              </a:ext>
-            </a:extLst>
-          </p:cNvPr>
-          <p:cNvGraphicFramePr>
-            <a:graphicFrameLocks noGrp="1"/>
-          </p:cNvGraphicFramePr>
-          <p:nvPr>
-            <p:ph idx="1"/>
-            <p:extLst>
-              <p:ext uri="{D42A27DB-BD31-4B8C-83A1-F6EECF244321}">
-                <p14:modId xmlns:p14="http://schemas.microsoft.com/office/powerpoint/2010/main" val="2472205081"/>
-              </p:ext>
-            </p:extLst>
-          </p:nvPr>
-        </p:nvGraphicFramePr>
-        <p:xfrm>
-          <a:off x="838200" y="1825625"/>
-          <a:ext cx="10515597" cy="3296920"/>
-        </p:xfrm>
-        <a:graphic>
-          <a:graphicData uri="http://schemas.openxmlformats.org/drawingml/2006/table">
-            <a:tbl>
-              <a:tblPr firstRow="1" bandRow="1">
-                <a:tableStyleId>{5C22544A-7EE6-4342-B048-85BDC9FD1C3A}</a:tableStyleId>
-              </a:tblPr>
-              <a:tblGrid>
-                <a:gridCol w="4516120">
-                  <a:extLst>
-                    <a:ext uri="{9D8B030D-6E8A-4147-A177-3AD203B41FA5}">
-                      <a16:colId xmlns:a16="http://schemas.microsoft.com/office/drawing/2014/main" val="3671571702"/>
-                    </a:ext>
-                  </a:extLst>
-                </a:gridCol>
-                <a:gridCol w="3048000">
-                  <a:extLst>
-                    <a:ext uri="{9D8B030D-6E8A-4147-A177-3AD203B41FA5}">
-                      <a16:colId xmlns:a16="http://schemas.microsoft.com/office/drawing/2014/main" val="3075289301"/>
-                    </a:ext>
-                  </a:extLst>
-                </a:gridCol>
-                <a:gridCol w="2951477">
-                  <a:extLst>
-                    <a:ext uri="{9D8B030D-6E8A-4147-A177-3AD203B41FA5}">
-                      <a16:colId xmlns:a16="http://schemas.microsoft.com/office/drawing/2014/main" val="3186227235"/>
-                    </a:ext>
-                  </a:extLst>
-                </a:gridCol>
-              </a:tblGrid>
-              <a:tr h="714375">
-                <a:tc>
-                  <a:txBody>
-                    <a:bodyPr/>
-                    <a:lstStyle/>
-                    <a:p>
-                      <a:endParaRPr lang="en-CA" dirty="0"/>
-                    </a:p>
-                  </a:txBody>
-                  <a:tcPr>
-                    <a:solidFill>
-                      <a:srgbClr val="2685AF"/>
-                    </a:solidFill>
-                  </a:tcPr>
-                </a:tc>
-                <a:tc>
-                  <a:txBody>
-                    <a:bodyPr/>
-                    <a:lstStyle/>
-                    <a:p>
-                      <a:pPr algn="ctr"/>
-                      <a:r>
-                        <a:rPr lang="en-CA" sz="2400" dirty="0"/>
-                        <a:t>Amazon </a:t>
-                      </a:r>
-                      <a:r>
-                        <a:rPr lang="en-CA" sz="2400" dirty="0" err="1"/>
-                        <a:t>Sagemaker</a:t>
-                      </a:r>
-                      <a:r>
-                        <a:rPr lang="en-CA" sz="2400" dirty="0"/>
-                        <a:t> Autopilot</a:t>
-                      </a:r>
-                    </a:p>
-                  </a:txBody>
-                  <a:tcPr anchor="ctr">
-                    <a:solidFill>
-                      <a:srgbClr val="2685AF"/>
-                    </a:solidFill>
-                  </a:tcPr>
-                </a:tc>
-                <a:tc>
-                  <a:txBody>
-                    <a:bodyPr/>
-                    <a:lstStyle/>
-                    <a:p>
-                      <a:pPr algn="ctr"/>
-                      <a:r>
-                        <a:rPr lang="en-CA" sz="2400" dirty="0"/>
-                        <a:t>Google Cloud </a:t>
-                      </a:r>
-                      <a:r>
-                        <a:rPr lang="en-CA" sz="2400" dirty="0" err="1"/>
-                        <a:t>AutoML</a:t>
-                      </a:r>
-                      <a:endParaRPr lang="en-CA" sz="2400" dirty="0"/>
-                    </a:p>
-                  </a:txBody>
-                  <a:tcPr anchor="ctr">
-                    <a:solidFill>
-                      <a:srgbClr val="2685AF"/>
-                    </a:solidFill>
-                  </a:tcPr>
-                </a:tc>
-                <a:extLst>
-                  <a:ext uri="{0D108BD9-81ED-4DB2-BD59-A6C34878D82A}">
-                    <a16:rowId xmlns:a16="http://schemas.microsoft.com/office/drawing/2014/main" val="2407944966"/>
-                  </a:ext>
-                </a:extLst>
-              </a:tr>
-              <a:tr h="370840">
-                <a:tc>
-                  <a:txBody>
-                    <a:bodyPr/>
-                    <a:lstStyle/>
-                    <a:p>
-                      <a:r>
-                        <a:rPr lang="en-CA" dirty="0"/>
-                        <a:t>Pricing:</a:t>
-                      </a:r>
-                    </a:p>
-                    <a:p>
-                      <a:pPr marL="285750" indent="-285750">
-                        <a:buFont typeface="Arial" panose="020B0604020202020204" pitchFamily="34" charset="0"/>
-                        <a:buChar char="•"/>
-                      </a:pPr>
-                      <a:r>
-                        <a:rPr lang="en-CA" dirty="0"/>
-                        <a:t>Free Monthly Duration (GB-seconds)</a:t>
-                      </a:r>
-                    </a:p>
-                    <a:p>
-                      <a:pPr marL="285750" indent="-285750">
-                        <a:buFont typeface="Arial" panose="020B0604020202020204" pitchFamily="34" charset="0"/>
-                        <a:buChar char="•"/>
-                      </a:pPr>
-                      <a:r>
-                        <a:rPr lang="en-CA" dirty="0"/>
-                        <a:t>Free Monthly Requests</a:t>
-                      </a:r>
-                    </a:p>
-                    <a:p>
-                      <a:pPr marL="285750" indent="-285750">
-                        <a:buFont typeface="Arial" panose="020B0604020202020204" pitchFamily="34" charset="0"/>
-                        <a:buChar char="•"/>
-                      </a:pPr>
-                      <a:r>
-                        <a:rPr lang="en-US" dirty="0"/>
-                        <a:t>Cost of Each Additional 1 Million  Requests</a:t>
-                      </a:r>
-                    </a:p>
-                    <a:p>
-                      <a:pPr marL="285750" indent="-285750">
-                        <a:buFont typeface="Arial" panose="020B0604020202020204" pitchFamily="34" charset="0"/>
-                        <a:buChar char="•"/>
-                      </a:pPr>
-                      <a:r>
-                        <a:rPr lang="en-US" dirty="0"/>
-                        <a:t>Cost of Each Additional 1 GB-second</a:t>
-                      </a:r>
-                      <a:endParaRPr lang="en-CA" dirty="0"/>
-                    </a:p>
-                  </a:txBody>
-                  <a:tcPr>
-                    <a:solidFill>
-                      <a:srgbClr val="33CCCC"/>
-                    </a:solidFill>
-                  </a:tcPr>
-                </a:tc>
-                <a:tc>
-                  <a:txBody>
-                    <a:bodyPr/>
-                    <a:lstStyle/>
-                    <a:p>
-                      <a:endParaRPr lang="en-CA" dirty="0"/>
-                    </a:p>
-                    <a:p>
-                      <a:pPr marL="285750" indent="-285750">
-                        <a:buFont typeface="Arial" panose="020B0604020202020204" pitchFamily="34" charset="0"/>
-                        <a:buChar char="•"/>
-                      </a:pPr>
-                      <a:r>
-                        <a:rPr lang="en-CA" sz="1800" b="0" i="0" kern="1200" dirty="0">
-                          <a:solidFill>
-                            <a:schemeClr val="dk1"/>
-                          </a:solidFill>
-                          <a:effectLst/>
-                          <a:latin typeface="+mn-lt"/>
-                          <a:ea typeface="+mn-ea"/>
-                          <a:cs typeface="+mn-cs"/>
-                        </a:rPr>
-                        <a:t>400,000</a:t>
-                      </a:r>
-                    </a:p>
-                    <a:p>
-                      <a:pPr marL="285750" indent="-285750">
-                        <a:buFont typeface="Arial" panose="020B0604020202020204" pitchFamily="34" charset="0"/>
-                        <a:buChar char="•"/>
-                      </a:pPr>
-                      <a:r>
-                        <a:rPr lang="en-CA" sz="1800" b="0" i="0" kern="1200" dirty="0">
-                          <a:solidFill>
-                            <a:schemeClr val="dk1"/>
-                          </a:solidFill>
-                          <a:effectLst/>
-                          <a:latin typeface="+mn-lt"/>
-                          <a:ea typeface="+mn-ea"/>
-                          <a:cs typeface="+mn-cs"/>
-                        </a:rPr>
-                        <a:t>1 Million</a:t>
-                      </a:r>
-                    </a:p>
-                    <a:p>
-                      <a:pPr marL="285750" indent="-285750">
-                        <a:buFont typeface="Arial" panose="020B0604020202020204" pitchFamily="34" charset="0"/>
-                        <a:buChar char="•"/>
-                      </a:pPr>
-                      <a:r>
-                        <a:rPr lang="en-CA" sz="1800" b="0" i="0" kern="1200" dirty="0">
-                          <a:solidFill>
-                            <a:schemeClr val="dk1"/>
-                          </a:solidFill>
-                          <a:effectLst/>
-                          <a:latin typeface="+mn-lt"/>
-                          <a:ea typeface="+mn-ea"/>
-                          <a:cs typeface="+mn-cs"/>
-                        </a:rPr>
-                        <a:t>$0.20</a:t>
-                      </a:r>
-                    </a:p>
-                    <a:p>
-                      <a:pPr marL="285750" indent="-285750">
-                        <a:buFont typeface="Arial" panose="020B0604020202020204" pitchFamily="34" charset="0"/>
-                        <a:buChar char="•"/>
-                      </a:pPr>
-                      <a:r>
-                        <a:rPr lang="en-CA" sz="1800" b="0" i="0" kern="1200" dirty="0">
-                          <a:solidFill>
-                            <a:schemeClr val="dk1"/>
-                          </a:solidFill>
-                          <a:effectLst/>
-                          <a:latin typeface="+mn-lt"/>
-                          <a:ea typeface="+mn-ea"/>
-                          <a:cs typeface="+mn-cs"/>
-                        </a:rPr>
-                        <a:t>$0.000016</a:t>
-                      </a:r>
-                      <a:endParaRPr lang="en-CA" dirty="0"/>
-                    </a:p>
-                  </a:txBody>
-                  <a:tcPr>
-                    <a:solidFill>
-                      <a:srgbClr val="33CCCC"/>
-                    </a:solidFill>
-                  </a:tcPr>
-                </a:tc>
-                <a:tc>
-                  <a:txBody>
-                    <a:bodyPr/>
-                    <a:lstStyle/>
-                    <a:p>
-                      <a:endParaRPr lang="en-CA" dirty="0"/>
-                    </a:p>
-                    <a:p>
-                      <a:pPr marL="285750" indent="-285750">
-                        <a:buFont typeface="Arial" panose="020B0604020202020204" pitchFamily="34" charset="0"/>
-                        <a:buChar char="•"/>
-                      </a:pPr>
-                      <a:r>
-                        <a:rPr lang="en-CA" sz="1800" b="0" i="0" kern="1200" dirty="0">
-                          <a:solidFill>
-                            <a:schemeClr val="dk1"/>
-                          </a:solidFill>
-                          <a:effectLst/>
-                          <a:latin typeface="+mn-lt"/>
-                          <a:ea typeface="+mn-ea"/>
-                          <a:cs typeface="+mn-cs"/>
-                        </a:rPr>
-                        <a:t>400,000</a:t>
-                      </a:r>
-                    </a:p>
-                    <a:p>
-                      <a:pPr marL="285750" indent="-285750">
-                        <a:buFont typeface="Arial" panose="020B0604020202020204" pitchFamily="34" charset="0"/>
-                        <a:buChar char="•"/>
-                      </a:pPr>
-                      <a:r>
-                        <a:rPr lang="en-CA" sz="1800" b="0" i="0" kern="1200" dirty="0">
-                          <a:solidFill>
-                            <a:schemeClr val="dk1"/>
-                          </a:solidFill>
-                          <a:effectLst/>
-                          <a:latin typeface="+mn-lt"/>
-                          <a:ea typeface="+mn-ea"/>
-                          <a:cs typeface="+mn-cs"/>
-                        </a:rPr>
-                        <a:t>2 Million</a:t>
-                      </a:r>
-                    </a:p>
-                    <a:p>
-                      <a:pPr marL="285750" indent="-285750">
-                        <a:buFont typeface="Arial" panose="020B0604020202020204" pitchFamily="34" charset="0"/>
-                        <a:buChar char="•"/>
-                      </a:pPr>
-                      <a:r>
-                        <a:rPr lang="en-CA" sz="1800" b="0" i="0" kern="1200" dirty="0">
-                          <a:solidFill>
-                            <a:schemeClr val="dk1"/>
-                          </a:solidFill>
-                          <a:effectLst/>
-                          <a:latin typeface="+mn-lt"/>
-                          <a:ea typeface="+mn-ea"/>
-                          <a:cs typeface="+mn-cs"/>
-                        </a:rPr>
-                        <a:t>$0.40</a:t>
-                      </a:r>
-                    </a:p>
-                    <a:p>
-                      <a:pPr marL="285750" indent="-285750">
-                        <a:buFont typeface="Arial" panose="020B0604020202020204" pitchFamily="34" charset="0"/>
-                        <a:buChar char="•"/>
-                      </a:pPr>
-                      <a:r>
-                        <a:rPr lang="en-CA" sz="1800" b="0" i="0" kern="1200" dirty="0">
-                          <a:solidFill>
-                            <a:schemeClr val="dk1"/>
-                          </a:solidFill>
-                          <a:effectLst/>
-                          <a:latin typeface="+mn-lt"/>
-                          <a:ea typeface="+mn-ea"/>
-                          <a:cs typeface="+mn-cs"/>
-                        </a:rPr>
-                        <a:t>$0.0000125</a:t>
-                      </a:r>
-                      <a:endParaRPr lang="en-CA" dirty="0"/>
-                    </a:p>
-                  </a:txBody>
-                  <a:tcPr>
-                    <a:solidFill>
-                      <a:srgbClr val="33CCCC"/>
-                    </a:solidFill>
-                  </a:tcPr>
-                </a:tc>
-                <a:extLst>
-                  <a:ext uri="{0D108BD9-81ED-4DB2-BD59-A6C34878D82A}">
-                    <a16:rowId xmlns:a16="http://schemas.microsoft.com/office/drawing/2014/main" val="1686676975"/>
-                  </a:ext>
-                </a:extLst>
-              </a:tr>
-              <a:tr h="370840">
-                <a:tc>
-                  <a:txBody>
-                    <a:bodyPr/>
-                    <a:lstStyle/>
-                    <a:p>
-                      <a:r>
-                        <a:rPr lang="en-CA" dirty="0"/>
-                        <a:t>Execution Time - Maximum Timeout</a:t>
-                      </a:r>
-                    </a:p>
-                  </a:txBody>
-                  <a:tcPr>
-                    <a:solidFill>
-                      <a:srgbClr val="33CCCC"/>
-                    </a:solidFill>
-                  </a:tcPr>
-                </a:tc>
-                <a:tc>
-                  <a:txBody>
-                    <a:bodyPr/>
-                    <a:lstStyle/>
-                    <a:p>
-                      <a:r>
-                        <a:rPr lang="en-CA" dirty="0"/>
-                        <a:t>15 minutes</a:t>
-                      </a:r>
-                    </a:p>
-                  </a:txBody>
-                  <a:tcPr>
-                    <a:solidFill>
-                      <a:srgbClr val="33CCCC"/>
-                    </a:solidFill>
-                  </a:tcPr>
-                </a:tc>
-                <a:tc>
-                  <a:txBody>
-                    <a:bodyPr/>
-                    <a:lstStyle/>
-                    <a:p>
-                      <a:r>
-                        <a:rPr lang="en-CA" dirty="0"/>
-                        <a:t>9 minutes</a:t>
-                      </a:r>
-                    </a:p>
-                  </a:txBody>
-                  <a:tcPr>
-                    <a:solidFill>
-                      <a:srgbClr val="33CCCC"/>
-                    </a:solidFill>
-                  </a:tcPr>
-                </a:tc>
-                <a:extLst>
-                  <a:ext uri="{0D108BD9-81ED-4DB2-BD59-A6C34878D82A}">
-                    <a16:rowId xmlns:a16="http://schemas.microsoft.com/office/drawing/2014/main" val="4126760010"/>
-                  </a:ext>
-                </a:extLst>
-              </a:tr>
-              <a:tr h="370840">
-                <a:tc>
-                  <a:txBody>
-                    <a:bodyPr/>
-                    <a:lstStyle/>
-                    <a:p>
-                      <a:r>
-                        <a:rPr lang="en-CA" dirty="0"/>
-                        <a:t>Memory</a:t>
-                      </a:r>
-                    </a:p>
-                  </a:txBody>
-                  <a:tcPr>
-                    <a:solidFill>
-                      <a:srgbClr val="33CCCC"/>
-                    </a:solidFill>
-                  </a:tcPr>
-                </a:tc>
-                <a:tc>
-                  <a:txBody>
-                    <a:bodyPr/>
-                    <a:lstStyle/>
-                    <a:p>
-                      <a:r>
-                        <a:rPr lang="en-CA" dirty="0"/>
-                        <a:t>128 MB – 10240 MB</a:t>
-                      </a:r>
-                    </a:p>
-                  </a:txBody>
-                  <a:tcPr>
-                    <a:solidFill>
-                      <a:srgbClr val="33CCCC"/>
-                    </a:solidFill>
-                  </a:tcPr>
-                </a:tc>
-                <a:tc>
-                  <a:txBody>
-                    <a:bodyPr/>
-                    <a:lstStyle/>
-                    <a:p>
-                      <a:r>
-                        <a:rPr lang="en-US" dirty="0"/>
-                        <a:t>128 MB – 4096 MB (in multiples of 128 MB)</a:t>
-                      </a:r>
-                      <a:endParaRPr lang="en-CA" dirty="0"/>
-                    </a:p>
-                  </a:txBody>
-                  <a:tcPr>
-                    <a:solidFill>
-                      <a:srgbClr val="33CCCC"/>
-                    </a:solidFill>
-                  </a:tcPr>
-                </a:tc>
-                <a:extLst>
-                  <a:ext uri="{0D108BD9-81ED-4DB2-BD59-A6C34878D82A}">
-                    <a16:rowId xmlns:a16="http://schemas.microsoft.com/office/drawing/2014/main" val="3047303723"/>
-                  </a:ext>
-                </a:extLst>
-              </a:tr>
-            </a:tbl>
-          </a:graphicData>
-        </a:graphic>
-      </p:graphicFrame>
-    </p:spTree>
-    <p:extLst>
-      <p:ext uri="{BB962C8B-B14F-4D97-AF65-F5344CB8AC3E}">
-        <p14:creationId xmlns:p14="http://schemas.microsoft.com/office/powerpoint/2010/main" val="1960507534"/>
-      </p:ext>
-    </p:extLst>
-  </p:cSld>
-  <p:clrMapOvr>
-    <a:masterClrMapping/>
-  </p:clrMapOvr>
-</p:sld>
-</file>
-
-<file path=ppt/slides/slide14.xml><?xml version="1.0" encoding="utf-8"?>
-<p:sld xmlns:a="http://schemas.openxmlformats.org/drawingml/2006/main" xmlns:r="http://schemas.openxmlformats.org/officeDocument/2006/relationships" xmlns:p="http://schemas.openxmlformats.org/presentationml/2006/main">
-  <p:cSld>
-    <p:spTree>
-      <p:nvGrpSpPr>
-        <p:cNvPr id="1" name=""/>
-        <p:cNvGrpSpPr/>
-        <p:nvPr/>
-      </p:nvGrpSpPr>
-      <p:grpSpPr>
-        <a:xfrm>
-          <a:off x="0" y="0"/>
-          <a:ext cx="0" cy="0"/>
-          <a:chOff x="0" y="0"/>
-          <a:chExt cx="0" cy="0"/>
-        </a:xfrm>
-      </p:grpSpPr>
-      <p:sp>
-        <p:nvSpPr>
-          <p:cNvPr id="2" name="Title 1">
-            <a:extLst>
-              <a:ext uri="{FF2B5EF4-FFF2-40B4-BE49-F238E27FC236}">
-                <a16:creationId xmlns:a16="http://schemas.microsoft.com/office/drawing/2014/main" id="{C569D2A2-E324-44A8-AF91-6865909C231D}"/>
-              </a:ext>
-            </a:extLst>
-          </p:cNvPr>
-          <p:cNvSpPr>
-            <a:spLocks noGrp="1"/>
-          </p:cNvSpPr>
-          <p:nvPr>
-            <p:ph type="title"/>
-          </p:nvPr>
-        </p:nvSpPr>
-        <p:spPr/>
-        <p:txBody>
-          <a:bodyPr/>
-          <a:lstStyle/>
-          <a:p>
-            <a:r>
-              <a:rPr lang="en-CA" dirty="0"/>
-              <a:t>Machine Learning: </a:t>
-            </a:r>
-            <a:r>
-              <a:rPr lang="en-CA" dirty="0">
-                <a:solidFill>
-                  <a:srgbClr val="33CCCC"/>
-                </a:solidFill>
-              </a:rPr>
-              <a:t>AWS vs. GCP</a:t>
-            </a:r>
-          </a:p>
-        </p:txBody>
-      </p:sp>
-      <p:sp>
-        <p:nvSpPr>
           <p:cNvPr id="12" name="Rectangle 11">
             <a:extLst>
               <a:ext uri="{FF2B5EF4-FFF2-40B4-BE49-F238E27FC236}">
@@ -12598,7 +12018,7 @@
 </p:sld>
 </file>
 
-<file path=ppt/slides/slide15.xml><?xml version="1.0" encoding="utf-8"?>
+<file path=ppt/slides/slide14.xml><?xml version="1.0" encoding="utf-8"?>
 <p:sld xmlns:a="http://schemas.openxmlformats.org/drawingml/2006/main" xmlns:r="http://schemas.openxmlformats.org/officeDocument/2006/relationships" xmlns:p="http://schemas.openxmlformats.org/presentationml/2006/main">
   <p:cSld>
     <p:spTree>
@@ -12685,7 +12105,7 @@
 </p:sld>
 </file>
 
-<file path=ppt/slides/slide16.xml><?xml version="1.0" encoding="utf-8"?>
+<file path=ppt/slides/slide15.xml><?xml version="1.0" encoding="utf-8"?>
 <p:sld xmlns:a="http://schemas.openxmlformats.org/drawingml/2006/main" xmlns:r="http://schemas.openxmlformats.org/officeDocument/2006/relationships" xmlns:p="http://schemas.openxmlformats.org/presentationml/2006/main">
   <p:cSld>
     <p:spTree>
@@ -12743,7 +12163,7 @@
 </p:sld>
 </file>
 
-<file path=ppt/slides/slide17.xml><?xml version="1.0" encoding="utf-8"?>
+<file path=ppt/slides/slide16.xml><?xml version="1.0" encoding="utf-8"?>
 <p:sld xmlns:a="http://schemas.openxmlformats.org/drawingml/2006/main" xmlns:r="http://schemas.openxmlformats.org/officeDocument/2006/relationships" xmlns:p="http://schemas.openxmlformats.org/presentationml/2006/main">
   <p:cSld>
     <p:spTree>
@@ -12918,7 +12338,7 @@
 </p:sld>
 </file>
 
-<file path=ppt/slides/slide18.xml><?xml version="1.0" encoding="utf-8"?>
+<file path=ppt/slides/slide17.xml><?xml version="1.0" encoding="utf-8"?>
 <p:sld xmlns:a="http://schemas.openxmlformats.org/drawingml/2006/main" xmlns:r="http://schemas.openxmlformats.org/officeDocument/2006/relationships" xmlns:p="http://schemas.openxmlformats.org/presentationml/2006/main">
   <p:cSld>
     <p:spTree>
@@ -13132,7 +12552,7 @@
 </p:sld>
 </file>
 
-<file path=ppt/slides/slide19.xml><?xml version="1.0" encoding="utf-8"?>
+<file path=ppt/slides/slide18.xml><?xml version="1.0" encoding="utf-8"?>
 <p:sld xmlns:a="http://schemas.openxmlformats.org/drawingml/2006/main" xmlns:r="http://schemas.openxmlformats.org/officeDocument/2006/relationships" xmlns:p="http://schemas.openxmlformats.org/presentationml/2006/main">
   <p:cSld>
     <p:spTree>
@@ -13273,6 +12693,64 @@
 </p:sld>
 </file>
 
+<file path=ppt/slides/slide19.xml><?xml version="1.0" encoding="utf-8"?>
+<p:sld xmlns:a="http://schemas.openxmlformats.org/drawingml/2006/main" xmlns:r="http://schemas.openxmlformats.org/officeDocument/2006/relationships" xmlns:p="http://schemas.openxmlformats.org/presentationml/2006/main">
+  <p:cSld>
+    <p:spTree>
+      <p:nvGrpSpPr>
+        <p:cNvPr id="1" name=""/>
+        <p:cNvGrpSpPr/>
+        <p:nvPr/>
+      </p:nvGrpSpPr>
+      <p:grpSpPr>
+        <a:xfrm>
+          <a:off x="0" y="0"/>
+          <a:ext cx="0" cy="0"/>
+          <a:chOff x="0" y="0"/>
+          <a:chExt cx="0" cy="0"/>
+        </a:xfrm>
+      </p:grpSpPr>
+      <p:sp>
+        <p:nvSpPr>
+          <p:cNvPr id="2" name="Title 1">
+            <a:extLst>
+              <a:ext uri="{FF2B5EF4-FFF2-40B4-BE49-F238E27FC236}">
+                <a16:creationId xmlns:a16="http://schemas.microsoft.com/office/drawing/2014/main" id="{5DFCA5A9-90EC-4651-8497-A0CD55A3E270}"/>
+              </a:ext>
+            </a:extLst>
+          </p:cNvPr>
+          <p:cNvSpPr>
+            <a:spLocks noGrp="1"/>
+          </p:cNvSpPr>
+          <p:nvPr>
+            <p:ph type="title"/>
+          </p:nvPr>
+        </p:nvSpPr>
+        <p:spPr/>
+        <p:txBody>
+          <a:bodyPr/>
+          <a:lstStyle/>
+          <a:p>
+            <a:r>
+              <a:rPr lang="en-CA" dirty="0"/>
+              <a:t>Challenges</a:t>
+            </a:r>
+          </a:p>
+        </p:txBody>
+      </p:sp>
+    </p:spTree>
+    <p:extLst>
+      <p:ext uri="{BB962C8B-B14F-4D97-AF65-F5344CB8AC3E}">
+        <p14:creationId xmlns:p14="http://schemas.microsoft.com/office/powerpoint/2010/main" val="1088382749"/>
+      </p:ext>
+    </p:extLst>
+  </p:cSld>
+  <p:clrMapOvr>
+    <a:masterClrMapping/>
+  </p:clrMapOvr>
+</p:sld>
+</file>
+
 <file path=ppt/slides/slide2.xml><?xml version="1.0" encoding="utf-8"?>
 <p:sld xmlns:a="http://schemas.openxmlformats.org/drawingml/2006/main" xmlns:r="http://schemas.openxmlformats.org/officeDocument/2006/relationships" xmlns:p="http://schemas.openxmlformats.org/presentationml/2006/main">
   <p:cSld>
@@ -13333,64 +12811,6 @@
 </file>
 
 <file path=ppt/slides/slide20.xml><?xml version="1.0" encoding="utf-8"?>
-<p:sld xmlns:a="http://schemas.openxmlformats.org/drawingml/2006/main" xmlns:r="http://schemas.openxmlformats.org/officeDocument/2006/relationships" xmlns:p="http://schemas.openxmlformats.org/presentationml/2006/main">
-  <p:cSld>
-    <p:spTree>
-      <p:nvGrpSpPr>
-        <p:cNvPr id="1" name=""/>
-        <p:cNvGrpSpPr/>
-        <p:nvPr/>
-      </p:nvGrpSpPr>
-      <p:grpSpPr>
-        <a:xfrm>
-          <a:off x="0" y="0"/>
-          <a:ext cx="0" cy="0"/>
-          <a:chOff x="0" y="0"/>
-          <a:chExt cx="0" cy="0"/>
-        </a:xfrm>
-      </p:grpSpPr>
-      <p:sp>
-        <p:nvSpPr>
-          <p:cNvPr id="2" name="Title 1">
-            <a:extLst>
-              <a:ext uri="{FF2B5EF4-FFF2-40B4-BE49-F238E27FC236}">
-                <a16:creationId xmlns:a16="http://schemas.microsoft.com/office/drawing/2014/main" id="{5DFCA5A9-90EC-4651-8497-A0CD55A3E270}"/>
-              </a:ext>
-            </a:extLst>
-          </p:cNvPr>
-          <p:cNvSpPr>
-            <a:spLocks noGrp="1"/>
-          </p:cNvSpPr>
-          <p:nvPr>
-            <p:ph type="title"/>
-          </p:nvPr>
-        </p:nvSpPr>
-        <p:spPr/>
-        <p:txBody>
-          <a:bodyPr/>
-          <a:lstStyle/>
-          <a:p>
-            <a:r>
-              <a:rPr lang="en-CA" dirty="0"/>
-              <a:t>Challenges</a:t>
-            </a:r>
-          </a:p>
-        </p:txBody>
-      </p:sp>
-    </p:spTree>
-    <p:extLst>
-      <p:ext uri="{BB962C8B-B14F-4D97-AF65-F5344CB8AC3E}">
-        <p14:creationId xmlns:p14="http://schemas.microsoft.com/office/powerpoint/2010/main" val="1088382749"/>
-      </p:ext>
-    </p:extLst>
-  </p:cSld>
-  <p:clrMapOvr>
-    <a:masterClrMapping/>
-  </p:clrMapOvr>
-</p:sld>
-</file>
-
-<file path=ppt/slides/slide21.xml><?xml version="1.0" encoding="utf-8"?>
 <p:sld xmlns:a="http://schemas.openxmlformats.org/drawingml/2006/main" xmlns:r="http://schemas.openxmlformats.org/officeDocument/2006/relationships" xmlns:p="http://schemas.openxmlformats.org/presentationml/2006/main">
   <p:cSld>
     <p:spTree>
